--- a/Handouts/Handouts-Motor_USR_Servo.pptx
+++ b/Handouts/Handouts-Motor_USR_Servo.pptx
@@ -203,7 +203,7 @@
           <a:p>
             <a:fld id="{EBF56900-53CD-4F05-8A09-57F6FC314F09}" type="datetimeFigureOut">
               <a:rPr lang="de-DE" smtClean="0"/>
-              <a:t>09.01.2019</a:t>
+              <a:t>06.12.2019</a:t>
             </a:fld>
             <a:endParaRPr lang="de-DE"/>
           </a:p>
@@ -570,34 +570,34 @@
           <a:p>
             <a:pPr algn="ctr"/>
             <a:r>
-              <a:rPr lang="de-DE" sz="1374" b="1" dirty="0" smtClean="0"/>
+              <a:rPr lang="de-DE" sz="1374" b="1" dirty="0"/>
               <a:t>Veröffentlicht</a:t>
             </a:r>
             <a:r>
-              <a:rPr lang="de-DE" sz="1374" b="1" baseline="0" dirty="0" smtClean="0"/>
+              <a:rPr lang="de-DE" sz="1374" b="1" baseline="0" dirty="0"/>
               <a:t> unter CC BY SA</a:t>
             </a:r>
           </a:p>
           <a:p>
             <a:pPr algn="ctr"/>
-            <a:endParaRPr lang="de-DE" sz="1374" b="0" baseline="0" dirty="0" smtClean="0"/>
+            <a:endParaRPr lang="de-DE" sz="1374" b="0" baseline="0" dirty="0"/>
           </a:p>
           <a:p>
             <a:pPr algn="ctr"/>
             <a:r>
-              <a:rPr lang="de-DE" sz="1374" b="0" dirty="0" smtClean="0"/>
+              <a:rPr lang="de-DE" sz="1374" b="0" dirty="0"/>
               <a:t>Dieses Werk ist unter einer Creative </a:t>
             </a:r>
             <a:r>
-              <a:rPr lang="de-DE" sz="1374" b="0" dirty="0" err="1" smtClean="0"/>
+              <a:rPr lang="de-DE" sz="1374" b="0" dirty="0" err="1"/>
               <a:t>Commons</a:t>
             </a:r>
             <a:r>
-              <a:rPr lang="de-DE" sz="1374" b="0" dirty="0" smtClean="0"/>
+              <a:rPr lang="de-DE" sz="1374" b="0" dirty="0"/>
               <a:t> Lizenz vom Typ Namensnennung - Weitergabe unter gleichen Bedingungen 4.0 International zugänglich. Um eine Kopie dieser Lizenz einzusehen, konsultieren </a:t>
             </a:r>
             <a:r>
-              <a:rPr lang="de-DE" sz="1374" b="0" dirty="0" smtClean="0">
+              <a:rPr lang="de-DE" sz="1374" b="0" dirty="0">
                 <a:solidFill>
                   <a:schemeClr val="bg1"/>
                 </a:solidFill>
@@ -605,18 +605,17 @@
               <a:t>Sie http://creativecommons.org/licenses/by-sa/4.0/ oder </a:t>
             </a:r>
             <a:r>
-              <a:rPr lang="de-DE" sz="1374" b="0" dirty="0" smtClean="0"/>
+              <a:rPr lang="de-DE" sz="1374" b="0" dirty="0"/>
               <a:t>wenden Sie sich brieflich an Creative </a:t>
             </a:r>
             <a:r>
-              <a:rPr lang="de-DE" sz="1374" b="0" dirty="0" err="1" smtClean="0"/>
+              <a:rPr lang="de-DE" sz="1374" b="0" dirty="0" err="1"/>
               <a:t>Commons</a:t>
             </a:r>
             <a:r>
-              <a:rPr lang="de-DE" sz="1374" b="0" dirty="0" smtClean="0"/>
+              <a:rPr lang="de-DE" sz="1374" b="0" dirty="0"/>
               <a:t>, Postfach 1866, Mountain View, California, 94042, USA.</a:t>
             </a:r>
-            <a:endParaRPr lang="de-DE" sz="1374" b="0" dirty="0"/>
           </a:p>
         </p:txBody>
       </p:sp>
@@ -775,38 +774,37 @@
           <a:p>
             <a:pPr lvl="0"/>
             <a:r>
-              <a:rPr lang="de-DE" dirty="0" smtClean="0"/>
+              <a:rPr lang="de-DE" dirty="0"/>
               <a:t>Formatvorlagen des Textmasters bearbeiten</a:t>
             </a:r>
           </a:p>
           <a:p>
             <a:pPr lvl="1"/>
             <a:r>
-              <a:rPr lang="de-DE" dirty="0" smtClean="0"/>
+              <a:rPr lang="de-DE" dirty="0"/>
               <a:t>Zweite Ebene</a:t>
             </a:r>
           </a:p>
           <a:p>
             <a:pPr lvl="2"/>
             <a:r>
-              <a:rPr lang="de-DE" dirty="0" smtClean="0"/>
+              <a:rPr lang="de-DE" dirty="0"/>
               <a:t>Dritte Ebene</a:t>
             </a:r>
           </a:p>
           <a:p>
             <a:pPr lvl="3"/>
             <a:r>
-              <a:rPr lang="de-DE" dirty="0" smtClean="0"/>
+              <a:rPr lang="de-DE" dirty="0"/>
               <a:t>Vierte Ebene</a:t>
             </a:r>
           </a:p>
           <a:p>
             <a:pPr lvl="4"/>
             <a:r>
-              <a:rPr lang="de-DE" dirty="0" smtClean="0"/>
+              <a:rPr lang="de-DE" dirty="0"/>
               <a:t>Fünfte Ebene</a:t>
             </a:r>
-            <a:endParaRPr lang="de-DE" dirty="0"/>
           </a:p>
         </p:txBody>
       </p:sp>
@@ -839,6 +837,42 @@
           </a:prstGeom>
         </p:spPr>
       </p:pic>
+      <p:pic>
+        <p:nvPicPr>
+          <p:cNvPr id="17" name="Grafik 16">
+            <a:extLst>
+              <a:ext uri="{FF2B5EF4-FFF2-40B4-BE49-F238E27FC236}">
+                <a16:creationId xmlns:a16="http://schemas.microsoft.com/office/drawing/2014/main" id="{71FE119D-4CBE-400E-AF18-F4744FCB2546}"/>
+              </a:ext>
+            </a:extLst>
+          </p:cNvPr>
+          <p:cNvPicPr>
+            <a:picLocks noChangeAspect="1"/>
+          </p:cNvPicPr>
+          <p:nvPr userDrawn="1"/>
+        </p:nvPicPr>
+        <p:blipFill>
+          <a:blip r:embed="rId7" cstate="print">
+            <a:extLst>
+              <a:ext uri="{28A0092B-C50C-407E-A947-70E740481C1C}">
+                <a14:useLocalDpi xmlns:a14="http://schemas.microsoft.com/office/drawing/2010/main" val="0"/>
+              </a:ext>
+            </a:extLst>
+          </a:blip>
+          <a:stretch>
+            <a:fillRect/>
+          </a:stretch>
+        </p:blipFill>
+        <p:spPr>
+          <a:xfrm>
+            <a:off x="1577695" y="6922191"/>
+            <a:ext cx="381000" cy="571500"/>
+          </a:xfrm>
+          <a:prstGeom prst="rect">
+            <a:avLst/>
+          </a:prstGeom>
+        </p:spPr>
+      </p:pic>
     </p:spTree>
     <p:extLst>
       <p:ext uri="{BB962C8B-B14F-4D97-AF65-F5344CB8AC3E}">
@@ -849,13 +883,6 @@
   <p:clrMapOvr>
     <a:masterClrMapping/>
   </p:clrMapOvr>
-  <p:timing>
-    <p:tnLst>
-      <p:par>
-        <p:cTn id="1" dur="indefinite" restart="never" nodeType="tmRoot"/>
-      </p:par>
-    </p:tnLst>
-  </p:timing>
 </p:sldLayout>
 </file>
 
@@ -901,7 +928,7 @@
           </a:lstStyle>
           <a:p>
             <a:r>
-              <a:rPr lang="de-DE" smtClean="0"/>
+              <a:rPr lang="de-DE"/>
               <a:t>Titelmasterformat durch Klicken bearbeiten</a:t>
             </a:r>
             <a:endParaRPr lang="en-US" dirty="0"/>
@@ -966,7 +993,7 @@
           </a:lstStyle>
           <a:p>
             <a:r>
-              <a:rPr lang="de-DE" smtClean="0"/>
+              <a:rPr lang="de-DE"/>
               <a:t>Bild durch Klicken auf Symbol hinzufügen</a:t>
             </a:r>
             <a:endParaRPr lang="en-US" dirty="0"/>
@@ -1032,7 +1059,7 @@
           <a:p>
             <a:pPr lvl="0"/>
             <a:r>
-              <a:rPr lang="de-DE" smtClean="0"/>
+              <a:rPr lang="de-DE"/>
               <a:t>Formatvorlagen des Textmasters bearbeiten</a:t>
             </a:r>
           </a:p>
@@ -1055,7 +1082,7 @@
           <a:p>
             <a:fld id="{6EC89F69-2EBA-4449-A568-4BDE987D048B}" type="datetimeFigureOut">
               <a:rPr lang="de-DE" smtClean="0"/>
-              <a:t>09.01.2019</a:t>
+              <a:t>06.12.2019</a:t>
             </a:fld>
             <a:endParaRPr lang="de-DE"/>
           </a:p>
@@ -1149,7 +1176,7 @@
           <a:lstStyle/>
           <a:p>
             <a:r>
-              <a:rPr lang="de-DE" smtClean="0"/>
+              <a:rPr lang="de-DE"/>
               <a:t>Titelmasterformat durch Klicken bearbeiten</a:t>
             </a:r>
             <a:endParaRPr lang="en-US" dirty="0"/>
@@ -1173,35 +1200,35 @@
           <a:p>
             <a:pPr lvl="0"/>
             <a:r>
-              <a:rPr lang="de-DE" smtClean="0"/>
+              <a:rPr lang="de-DE"/>
               <a:t>Formatvorlagen des Textmasters bearbeiten</a:t>
             </a:r>
           </a:p>
           <a:p>
             <a:pPr lvl="1"/>
             <a:r>
-              <a:rPr lang="de-DE" smtClean="0"/>
+              <a:rPr lang="de-DE"/>
               <a:t>Zweite Ebene</a:t>
             </a:r>
           </a:p>
           <a:p>
             <a:pPr lvl="2"/>
             <a:r>
-              <a:rPr lang="de-DE" smtClean="0"/>
+              <a:rPr lang="de-DE"/>
               <a:t>Dritte Ebene</a:t>
             </a:r>
           </a:p>
           <a:p>
             <a:pPr lvl="3"/>
             <a:r>
-              <a:rPr lang="de-DE" smtClean="0"/>
+              <a:rPr lang="de-DE"/>
               <a:t>Vierte Ebene</a:t>
             </a:r>
           </a:p>
           <a:p>
             <a:pPr lvl="4"/>
             <a:r>
-              <a:rPr lang="de-DE" smtClean="0"/>
+              <a:rPr lang="de-DE"/>
               <a:t>Fünfte Ebene</a:t>
             </a:r>
             <a:endParaRPr lang="en-US" dirty="0"/>
@@ -1225,7 +1252,7 @@
           <a:p>
             <a:fld id="{6EC89F69-2EBA-4449-A568-4BDE987D048B}" type="datetimeFigureOut">
               <a:rPr lang="de-DE" smtClean="0"/>
-              <a:t>09.01.2019</a:t>
+              <a:t>06.12.2019</a:t>
             </a:fld>
             <a:endParaRPr lang="de-DE"/>
           </a:p>
@@ -1324,7 +1351,7 @@
           <a:lstStyle/>
           <a:p>
             <a:r>
-              <a:rPr lang="de-DE" smtClean="0"/>
+              <a:rPr lang="de-DE"/>
               <a:t>Titelmasterformat durch Klicken bearbeiten</a:t>
             </a:r>
             <a:endParaRPr lang="en-US" dirty="0"/>
@@ -1353,35 +1380,35 @@
           <a:p>
             <a:pPr lvl="0"/>
             <a:r>
-              <a:rPr lang="de-DE" smtClean="0"/>
+              <a:rPr lang="de-DE"/>
               <a:t>Formatvorlagen des Textmasters bearbeiten</a:t>
             </a:r>
           </a:p>
           <a:p>
             <a:pPr lvl="1"/>
             <a:r>
-              <a:rPr lang="de-DE" smtClean="0"/>
+              <a:rPr lang="de-DE"/>
               <a:t>Zweite Ebene</a:t>
             </a:r>
           </a:p>
           <a:p>
             <a:pPr lvl="2"/>
             <a:r>
-              <a:rPr lang="de-DE" smtClean="0"/>
+              <a:rPr lang="de-DE"/>
               <a:t>Dritte Ebene</a:t>
             </a:r>
           </a:p>
           <a:p>
             <a:pPr lvl="3"/>
             <a:r>
-              <a:rPr lang="de-DE" smtClean="0"/>
+              <a:rPr lang="de-DE"/>
               <a:t>Vierte Ebene</a:t>
             </a:r>
           </a:p>
           <a:p>
             <a:pPr lvl="4"/>
             <a:r>
-              <a:rPr lang="de-DE" smtClean="0"/>
+              <a:rPr lang="de-DE"/>
               <a:t>Fünfte Ebene</a:t>
             </a:r>
             <a:endParaRPr lang="en-US" dirty="0"/>
@@ -1405,7 +1432,7 @@
           <a:p>
             <a:fld id="{6EC89F69-2EBA-4449-A568-4BDE987D048B}" type="datetimeFigureOut">
               <a:rPr lang="de-DE" smtClean="0"/>
-              <a:t>09.01.2019</a:t>
+              <a:t>06.12.2019</a:t>
             </a:fld>
             <a:endParaRPr lang="de-DE"/>
           </a:p>
@@ -1508,7 +1535,7 @@
           </a:lstStyle>
           <a:p>
             <a:r>
-              <a:rPr lang="de-DE" smtClean="0"/>
+              <a:rPr lang="de-DE"/>
               <a:t>Titelmasterformat durch Klicken bearbeiten</a:t>
             </a:r>
             <a:endParaRPr lang="en-US" dirty="0"/>
@@ -1573,7 +1600,7 @@
           </a:lstStyle>
           <a:p>
             <a:r>
-              <a:rPr lang="de-DE" smtClean="0"/>
+              <a:rPr lang="de-DE"/>
               <a:t>Formatvorlage des Untertitelmasters durch Klicken bearbeiten</a:t>
             </a:r>
             <a:endParaRPr lang="en-US" dirty="0"/>
@@ -1597,7 +1624,7 @@
           <a:p>
             <a:fld id="{6EC89F69-2EBA-4449-A568-4BDE987D048B}" type="datetimeFigureOut">
               <a:rPr lang="de-DE" smtClean="0"/>
-              <a:t>09.01.2019</a:t>
+              <a:t>06.12.2019</a:t>
             </a:fld>
             <a:endParaRPr lang="de-DE"/>
           </a:p>
@@ -1669,12 +1696,12 @@
           <a:p>
             <a:pPr algn="ctr"/>
             <a:r>
-              <a:rPr lang="de-DE" sz="763" dirty="0" smtClean="0">
+              <a:rPr lang="de-DE" sz="763" dirty="0">
                 <a:hlinkClick r:id="rId2"/>
               </a:rPr>
               <a:t>https://www.htw-dresden.de/kiss-mint</a:t>
             </a:r>
-            <a:endParaRPr lang="de-DE" sz="763" dirty="0" smtClean="0"/>
+            <a:endParaRPr lang="de-DE" sz="763" dirty="0"/>
           </a:p>
         </p:txBody>
       </p:sp>
@@ -1724,7 +1751,7 @@
           <a:lstStyle/>
           <a:p>
             <a:r>
-              <a:rPr lang="de-DE" smtClean="0"/>
+              <a:rPr lang="de-DE"/>
               <a:t>Titelmasterformat durch Klicken bearbeiten</a:t>
             </a:r>
             <a:endParaRPr lang="en-US" dirty="0"/>
@@ -1748,35 +1775,35 @@
           <a:p>
             <a:pPr lvl="0"/>
             <a:r>
-              <a:rPr lang="de-DE" smtClean="0"/>
+              <a:rPr lang="de-DE"/>
               <a:t>Formatvorlagen des Textmasters bearbeiten</a:t>
             </a:r>
           </a:p>
           <a:p>
             <a:pPr lvl="1"/>
             <a:r>
-              <a:rPr lang="de-DE" smtClean="0"/>
+              <a:rPr lang="de-DE"/>
               <a:t>Zweite Ebene</a:t>
             </a:r>
           </a:p>
           <a:p>
             <a:pPr lvl="2"/>
             <a:r>
-              <a:rPr lang="de-DE" smtClean="0"/>
+              <a:rPr lang="de-DE"/>
               <a:t>Dritte Ebene</a:t>
             </a:r>
           </a:p>
           <a:p>
             <a:pPr lvl="3"/>
             <a:r>
-              <a:rPr lang="de-DE" smtClean="0"/>
+              <a:rPr lang="de-DE"/>
               <a:t>Vierte Ebene</a:t>
             </a:r>
           </a:p>
           <a:p>
             <a:pPr lvl="4"/>
             <a:r>
-              <a:rPr lang="de-DE" smtClean="0"/>
+              <a:rPr lang="de-DE"/>
               <a:t>Fünfte Ebene</a:t>
             </a:r>
             <a:endParaRPr lang="en-US" dirty="0"/>
@@ -1800,7 +1827,7 @@
           <a:p>
             <a:fld id="{6EC89F69-2EBA-4449-A568-4BDE987D048B}" type="datetimeFigureOut">
               <a:rPr lang="de-DE" smtClean="0"/>
-              <a:t>09.01.2019</a:t>
+              <a:t>06.12.2019</a:t>
             </a:fld>
             <a:endParaRPr lang="de-DE"/>
           </a:p>
@@ -1903,7 +1930,7 @@
           </a:lstStyle>
           <a:p>
             <a:r>
-              <a:rPr lang="de-DE" smtClean="0"/>
+              <a:rPr lang="de-DE"/>
               <a:t>Titelmasterformat durch Klicken bearbeiten</a:t>
             </a:r>
             <a:endParaRPr lang="en-US" dirty="0"/>
@@ -2021,7 +2048,7 @@
           <a:p>
             <a:pPr lvl="0"/>
             <a:r>
-              <a:rPr lang="de-DE" smtClean="0"/>
+              <a:rPr lang="de-DE"/>
               <a:t>Formatvorlagen des Textmasters bearbeiten</a:t>
             </a:r>
           </a:p>
@@ -2044,7 +2071,7 @@
           <a:p>
             <a:fld id="{6EC89F69-2EBA-4449-A568-4BDE987D048B}" type="datetimeFigureOut">
               <a:rPr lang="de-DE" smtClean="0"/>
-              <a:t>09.01.2019</a:t>
+              <a:t>06.12.2019</a:t>
             </a:fld>
             <a:endParaRPr lang="de-DE"/>
           </a:p>
@@ -2138,7 +2165,7 @@
           <a:lstStyle/>
           <a:p>
             <a:r>
-              <a:rPr lang="de-DE" smtClean="0"/>
+              <a:rPr lang="de-DE"/>
               <a:t>Titelmasterformat durch Klicken bearbeiten</a:t>
             </a:r>
             <a:endParaRPr lang="en-US" dirty="0"/>
@@ -2167,35 +2194,35 @@
           <a:p>
             <a:pPr lvl="0"/>
             <a:r>
-              <a:rPr lang="de-DE" smtClean="0"/>
+              <a:rPr lang="de-DE"/>
               <a:t>Formatvorlagen des Textmasters bearbeiten</a:t>
             </a:r>
           </a:p>
           <a:p>
             <a:pPr lvl="1"/>
             <a:r>
-              <a:rPr lang="de-DE" smtClean="0"/>
+              <a:rPr lang="de-DE"/>
               <a:t>Zweite Ebene</a:t>
             </a:r>
           </a:p>
           <a:p>
             <a:pPr lvl="2"/>
             <a:r>
-              <a:rPr lang="de-DE" smtClean="0"/>
+              <a:rPr lang="de-DE"/>
               <a:t>Dritte Ebene</a:t>
             </a:r>
           </a:p>
           <a:p>
             <a:pPr lvl="3"/>
             <a:r>
-              <a:rPr lang="de-DE" smtClean="0"/>
+              <a:rPr lang="de-DE"/>
               <a:t>Vierte Ebene</a:t>
             </a:r>
           </a:p>
           <a:p>
             <a:pPr lvl="4"/>
             <a:r>
-              <a:rPr lang="de-DE" smtClean="0"/>
+              <a:rPr lang="de-DE"/>
               <a:t>Fünfte Ebene</a:t>
             </a:r>
             <a:endParaRPr lang="en-US" dirty="0"/>
@@ -2224,35 +2251,35 @@
           <a:p>
             <a:pPr lvl="0"/>
             <a:r>
-              <a:rPr lang="de-DE" smtClean="0"/>
+              <a:rPr lang="de-DE"/>
               <a:t>Formatvorlagen des Textmasters bearbeiten</a:t>
             </a:r>
           </a:p>
           <a:p>
             <a:pPr lvl="1"/>
             <a:r>
-              <a:rPr lang="de-DE" smtClean="0"/>
+              <a:rPr lang="de-DE"/>
               <a:t>Zweite Ebene</a:t>
             </a:r>
           </a:p>
           <a:p>
             <a:pPr lvl="2"/>
             <a:r>
-              <a:rPr lang="de-DE" smtClean="0"/>
+              <a:rPr lang="de-DE"/>
               <a:t>Dritte Ebene</a:t>
             </a:r>
           </a:p>
           <a:p>
             <a:pPr lvl="3"/>
             <a:r>
-              <a:rPr lang="de-DE" smtClean="0"/>
+              <a:rPr lang="de-DE"/>
               <a:t>Vierte Ebene</a:t>
             </a:r>
           </a:p>
           <a:p>
             <a:pPr lvl="4"/>
             <a:r>
-              <a:rPr lang="de-DE" smtClean="0"/>
+              <a:rPr lang="de-DE"/>
               <a:t>Fünfte Ebene</a:t>
             </a:r>
             <a:endParaRPr lang="en-US" dirty="0"/>
@@ -2276,7 +2303,7 @@
           <a:p>
             <a:fld id="{6EC89F69-2EBA-4449-A568-4BDE987D048B}" type="datetimeFigureOut">
               <a:rPr lang="de-DE" smtClean="0"/>
-              <a:t>09.01.2019</a:t>
+              <a:t>06.12.2019</a:t>
             </a:fld>
             <a:endParaRPr lang="de-DE"/>
           </a:p>
@@ -2375,7 +2402,7 @@
           <a:lstStyle/>
           <a:p>
             <a:r>
-              <a:rPr lang="de-DE" smtClean="0"/>
+              <a:rPr lang="de-DE"/>
               <a:t>Titelmasterformat durch Klicken bearbeiten</a:t>
             </a:r>
             <a:endParaRPr lang="en-US" dirty="0"/>
@@ -2441,7 +2468,7 @@
           <a:p>
             <a:pPr lvl="0"/>
             <a:r>
-              <a:rPr lang="de-DE" smtClean="0"/>
+              <a:rPr lang="de-DE"/>
               <a:t>Formatvorlagen des Textmasters bearbeiten</a:t>
             </a:r>
           </a:p>
@@ -2469,35 +2496,35 @@
           <a:p>
             <a:pPr lvl="0"/>
             <a:r>
-              <a:rPr lang="de-DE" smtClean="0"/>
+              <a:rPr lang="de-DE"/>
               <a:t>Formatvorlagen des Textmasters bearbeiten</a:t>
             </a:r>
           </a:p>
           <a:p>
             <a:pPr lvl="1"/>
             <a:r>
-              <a:rPr lang="de-DE" smtClean="0"/>
+              <a:rPr lang="de-DE"/>
               <a:t>Zweite Ebene</a:t>
             </a:r>
           </a:p>
           <a:p>
             <a:pPr lvl="2"/>
             <a:r>
-              <a:rPr lang="de-DE" smtClean="0"/>
+              <a:rPr lang="de-DE"/>
               <a:t>Dritte Ebene</a:t>
             </a:r>
           </a:p>
           <a:p>
             <a:pPr lvl="3"/>
             <a:r>
-              <a:rPr lang="de-DE" smtClean="0"/>
+              <a:rPr lang="de-DE"/>
               <a:t>Vierte Ebene</a:t>
             </a:r>
           </a:p>
           <a:p>
             <a:pPr lvl="4"/>
             <a:r>
-              <a:rPr lang="de-DE" smtClean="0"/>
+              <a:rPr lang="de-DE"/>
               <a:t>Fünfte Ebene</a:t>
             </a:r>
             <a:endParaRPr lang="en-US" dirty="0"/>
@@ -2563,7 +2590,7 @@
           <a:p>
             <a:pPr lvl="0"/>
             <a:r>
-              <a:rPr lang="de-DE" smtClean="0"/>
+              <a:rPr lang="de-DE"/>
               <a:t>Formatvorlagen des Textmasters bearbeiten</a:t>
             </a:r>
           </a:p>
@@ -2591,35 +2618,35 @@
           <a:p>
             <a:pPr lvl="0"/>
             <a:r>
-              <a:rPr lang="de-DE" smtClean="0"/>
+              <a:rPr lang="de-DE"/>
               <a:t>Formatvorlagen des Textmasters bearbeiten</a:t>
             </a:r>
           </a:p>
           <a:p>
             <a:pPr lvl="1"/>
             <a:r>
-              <a:rPr lang="de-DE" smtClean="0"/>
+              <a:rPr lang="de-DE"/>
               <a:t>Zweite Ebene</a:t>
             </a:r>
           </a:p>
           <a:p>
             <a:pPr lvl="2"/>
             <a:r>
-              <a:rPr lang="de-DE" smtClean="0"/>
+              <a:rPr lang="de-DE"/>
               <a:t>Dritte Ebene</a:t>
             </a:r>
           </a:p>
           <a:p>
             <a:pPr lvl="3"/>
             <a:r>
-              <a:rPr lang="de-DE" smtClean="0"/>
+              <a:rPr lang="de-DE"/>
               <a:t>Vierte Ebene</a:t>
             </a:r>
           </a:p>
           <a:p>
             <a:pPr lvl="4"/>
             <a:r>
-              <a:rPr lang="de-DE" smtClean="0"/>
+              <a:rPr lang="de-DE"/>
               <a:t>Fünfte Ebene</a:t>
             </a:r>
             <a:endParaRPr lang="en-US" dirty="0"/>
@@ -2643,7 +2670,7 @@
           <a:p>
             <a:fld id="{6EC89F69-2EBA-4449-A568-4BDE987D048B}" type="datetimeFigureOut">
               <a:rPr lang="de-DE" smtClean="0"/>
-              <a:t>09.01.2019</a:t>
+              <a:t>06.12.2019</a:t>
             </a:fld>
             <a:endParaRPr lang="de-DE"/>
           </a:p>
@@ -2737,7 +2764,7 @@
           <a:lstStyle/>
           <a:p>
             <a:r>
-              <a:rPr lang="de-DE" smtClean="0"/>
+              <a:rPr lang="de-DE"/>
               <a:t>Titelmasterformat durch Klicken bearbeiten</a:t>
             </a:r>
             <a:endParaRPr lang="en-US" dirty="0"/>
@@ -2761,7 +2788,7 @@
           <a:p>
             <a:fld id="{6EC89F69-2EBA-4449-A568-4BDE987D048B}" type="datetimeFigureOut">
               <a:rPr lang="de-DE" smtClean="0"/>
-              <a:t>09.01.2019</a:t>
+              <a:t>06.12.2019</a:t>
             </a:fld>
             <a:endParaRPr lang="de-DE"/>
           </a:p>
@@ -2856,7 +2883,7 @@
           <a:p>
             <a:fld id="{6EC89F69-2EBA-4449-A568-4BDE987D048B}" type="datetimeFigureOut">
               <a:rPr lang="de-DE" smtClean="0"/>
-              <a:t>09.01.2019</a:t>
+              <a:t>06.12.2019</a:t>
             </a:fld>
             <a:endParaRPr lang="de-DE"/>
           </a:p>
@@ -2959,7 +2986,7 @@
           </a:lstStyle>
           <a:p>
             <a:r>
-              <a:rPr lang="de-DE" smtClean="0"/>
+              <a:rPr lang="de-DE"/>
               <a:t>Titelmasterformat durch Klicken bearbeiten</a:t>
             </a:r>
             <a:endParaRPr lang="en-US" dirty="0"/>
@@ -3016,35 +3043,35 @@
           <a:p>
             <a:pPr lvl="0"/>
             <a:r>
-              <a:rPr lang="de-DE" smtClean="0"/>
+              <a:rPr lang="de-DE"/>
               <a:t>Formatvorlagen des Textmasters bearbeiten</a:t>
             </a:r>
           </a:p>
           <a:p>
             <a:pPr lvl="1"/>
             <a:r>
-              <a:rPr lang="de-DE" smtClean="0"/>
+              <a:rPr lang="de-DE"/>
               <a:t>Zweite Ebene</a:t>
             </a:r>
           </a:p>
           <a:p>
             <a:pPr lvl="2"/>
             <a:r>
-              <a:rPr lang="de-DE" smtClean="0"/>
+              <a:rPr lang="de-DE"/>
               <a:t>Dritte Ebene</a:t>
             </a:r>
           </a:p>
           <a:p>
             <a:pPr lvl="3"/>
             <a:r>
-              <a:rPr lang="de-DE" smtClean="0"/>
+              <a:rPr lang="de-DE"/>
               <a:t>Vierte Ebene</a:t>
             </a:r>
           </a:p>
           <a:p>
             <a:pPr lvl="4"/>
             <a:r>
-              <a:rPr lang="de-DE" smtClean="0"/>
+              <a:rPr lang="de-DE"/>
               <a:t>Fünfte Ebene</a:t>
             </a:r>
             <a:endParaRPr lang="en-US" dirty="0"/>
@@ -3110,7 +3137,7 @@
           <a:p>
             <a:pPr lvl="0"/>
             <a:r>
-              <a:rPr lang="de-DE" smtClean="0"/>
+              <a:rPr lang="de-DE"/>
               <a:t>Formatvorlagen des Textmasters bearbeiten</a:t>
             </a:r>
           </a:p>
@@ -3133,7 +3160,7 @@
           <a:p>
             <a:fld id="{6EC89F69-2EBA-4449-A568-4BDE987D048B}" type="datetimeFigureOut">
               <a:rPr lang="de-DE" smtClean="0"/>
-              <a:t>09.01.2019</a:t>
+              <a:t>06.12.2019</a:t>
             </a:fld>
             <a:endParaRPr lang="de-DE"/>
           </a:p>
@@ -3242,7 +3269,7 @@
           <a:lstStyle/>
           <a:p>
             <a:r>
-              <a:rPr lang="de-DE" smtClean="0"/>
+              <a:rPr lang="de-DE"/>
               <a:t>Titelmasterformat durch Klicken bearbeiten</a:t>
             </a:r>
             <a:endParaRPr lang="en-US" dirty="0"/>
@@ -3276,35 +3303,35 @@
           <a:p>
             <a:pPr lvl="0"/>
             <a:r>
-              <a:rPr lang="de-DE" smtClean="0"/>
+              <a:rPr lang="de-DE"/>
               <a:t>Formatvorlagen des Textmasters bearbeiten</a:t>
             </a:r>
           </a:p>
           <a:p>
             <a:pPr lvl="1"/>
             <a:r>
-              <a:rPr lang="de-DE" smtClean="0"/>
+              <a:rPr lang="de-DE"/>
               <a:t>Zweite Ebene</a:t>
             </a:r>
           </a:p>
           <a:p>
             <a:pPr lvl="2"/>
             <a:r>
-              <a:rPr lang="de-DE" smtClean="0"/>
+              <a:rPr lang="de-DE"/>
               <a:t>Dritte Ebene</a:t>
             </a:r>
           </a:p>
           <a:p>
             <a:pPr lvl="3"/>
             <a:r>
-              <a:rPr lang="de-DE" smtClean="0"/>
+              <a:rPr lang="de-DE"/>
               <a:t>Vierte Ebene</a:t>
             </a:r>
           </a:p>
           <a:p>
             <a:pPr lvl="4"/>
             <a:r>
-              <a:rPr lang="de-DE" smtClean="0"/>
+              <a:rPr lang="de-DE"/>
               <a:t>Fünfte Ebene</a:t>
             </a:r>
             <a:endParaRPr lang="en-US" dirty="0"/>
@@ -3346,7 +3373,7 @@
           <a:p>
             <a:fld id="{6EC89F69-2EBA-4449-A568-4BDE987D048B}" type="datetimeFigureOut">
               <a:rPr lang="de-DE" smtClean="0"/>
-              <a:t>09.01.2019</a:t>
+              <a:t>06.12.2019</a:t>
             </a:fld>
             <a:endParaRPr lang="de-DE"/>
           </a:p>
@@ -3821,7 +3848,6 @@
               <a:rPr lang="de-DE" sz="1000" dirty="0"/>
               <a:t> ist die Wirkung umgekehrt, je niedriger die eingestellte Geschwindigkeit, desto höher ist die Drehzahl</a:t>
             </a:r>
-            <a:endParaRPr lang="de-DE" sz="1000" dirty="0"/>
           </a:p>
         </p:txBody>
       </p:sp>
@@ -4029,11 +4055,7 @@
           <a:p>
             <a:r>
               <a:rPr lang="de-DE" sz="1000" b="1" dirty="0"/>
-              <a:t> </a:t>
-            </a:r>
-            <a:r>
-              <a:rPr lang="de-DE" sz="1000" b="1" dirty="0"/>
-              <a:t>  Anschließen der    </a:t>
+              <a:t>   Anschließen der    </a:t>
             </a:r>
             <a:br>
               <a:rPr lang="de-DE" sz="1000" b="1" dirty="0"/>
@@ -4061,7 +4083,6 @@
               <a:rPr lang="de-DE" sz="1000" dirty="0"/>
               <a:t>   Schwarz zu Blau (- Pol)</a:t>
             </a:r>
-            <a:endParaRPr lang="de-DE" sz="1000" dirty="0"/>
           </a:p>
         </p:txBody>
       </p:sp>
@@ -4095,10 +4116,6 @@
               <a:rPr lang="de-DE" sz="1000" b="1" dirty="0" err="1"/>
               <a:t>Lüfteranschluss</a:t>
             </a:r>
-            <a:r>
-              <a:rPr lang="de-DE" sz="1000" b="1" dirty="0"/>
-              <a:t/>
-            </a:r>
             <a:br>
               <a:rPr lang="de-DE" sz="1000" b="1" dirty="0"/>
             </a:br>
@@ -4106,7 +4123,6 @@
               <a:rPr lang="de-DE" sz="1000" b="1" dirty="0"/>
               <a:t>   ohne Steuerleitung</a:t>
             </a:r>
-            <a:endParaRPr lang="de-DE" sz="1000" b="1" dirty="0"/>
           </a:p>
         </p:txBody>
       </p:sp>
@@ -4277,15 +4293,7 @@
           <a:p>
             <a:r>
               <a:rPr lang="de-DE" sz="1000" b="1" dirty="0"/>
-              <a:t>    verbinden </a:t>
-            </a:r>
-            <a:r>
-              <a:rPr lang="de-DE" sz="1000" b="1" dirty="0"/>
-              <a:t>mehrere </a:t>
-            </a:r>
-            <a:r>
-              <a:rPr lang="de-DE" sz="1000" b="1" dirty="0"/>
-              <a:t>in        </a:t>
+              <a:t>    verbinden mehrere in        </a:t>
             </a:r>
             <a:br>
               <a:rPr lang="de-DE" sz="1000" b="1" dirty="0"/>
@@ -4326,7 +4334,6 @@
               <a:rPr lang="de-DE" sz="1000" b="1" dirty="0"/>
               <a:t> Möglich)</a:t>
             </a:r>
-            <a:endParaRPr lang="de-DE" sz="1000" b="1" dirty="0"/>
           </a:p>
         </p:txBody>
       </p:sp>
@@ -4373,11 +4380,7 @@
             <a:pPr algn="r"/>
             <a:r>
               <a:rPr lang="de-DE" sz="1000" b="1" dirty="0"/>
-              <a:t>(gelbes Kabel)  </a:t>
-            </a:r>
-            <a:r>
-              <a:rPr lang="de-DE" sz="1000" b="1" dirty="0"/>
-              <a:t>﻿</a:t>
+              <a:t>(gelbes Kabel)  ﻿</a:t>
             </a:r>
           </a:p>
         </p:txBody>
@@ -4420,7 +4423,6 @@
               <a:rPr lang="de-DE" sz="1056" b="1" dirty="0"/>
               <a:t>Benötigte Teile</a:t>
             </a:r>
-            <a:endParaRPr lang="de-DE" sz="1056" b="1" dirty="0"/>
           </a:p>
         </p:txBody>
       </p:sp>
@@ -4617,13 +4619,6 @@
   <p:clrMapOvr>
     <a:masterClrMapping/>
   </p:clrMapOvr>
-  <p:timing>
-    <p:tnLst>
-      <p:par>
-        <p:cTn id="1" dur="indefinite" restart="never" nodeType="tmRoot"/>
-      </p:par>
-    </p:tnLst>
-  </p:timing>
 </p:sld>
 </file>
 
@@ -4700,7 +4695,6 @@
               <a:rPr lang="de-DE" sz="2137" b="1" dirty="0"/>
               <a:t>Die Montage des Ultraschallsensors</a:t>
             </a:r>
-            <a:endParaRPr lang="de-DE" sz="2137" b="1" dirty="0"/>
           </a:p>
         </p:txBody>
       </p:sp>
@@ -4799,7 +4793,6 @@
               <a:rPr lang="de-DE" sz="1000" dirty="0"/>
               <a:t>Und Gelb das Signalkabel ist</a:t>
             </a:r>
-            <a:endParaRPr lang="de-DE" sz="1000" dirty="0"/>
           </a:p>
         </p:txBody>
       </p:sp>
@@ -4871,7 +4864,6 @@
               <a:rPr lang="de-DE" sz="1000" b="1" dirty="0"/>
               <a:t>Das Signal liegt also am PIN C16 an</a:t>
             </a:r>
-            <a:endParaRPr lang="de-DE" sz="1000" b="1" dirty="0"/>
           </a:p>
         </p:txBody>
       </p:sp>
@@ -4902,7 +4894,6 @@
               <a:rPr lang="de-DE" sz="2137" b="1" dirty="0"/>
               <a:t>Die Programmierung des Ultraschallsensors</a:t>
             </a:r>
-            <a:endParaRPr lang="de-DE" sz="2137" b="1" dirty="0"/>
           </a:p>
         </p:txBody>
       </p:sp>
@@ -4967,7 +4958,6 @@
               <a:rPr lang="de-DE" sz="1000" dirty="0"/>
               <a:t>neuer Blockbereich eingeblendet.</a:t>
             </a:r>
-            <a:endParaRPr lang="de-DE" sz="1000" dirty="0"/>
           </a:p>
           <a:p>
             <a:pPr marL="218056" indent="-218056">
@@ -5199,7 +5189,6 @@
               <a:rPr lang="de-DE" sz="1056" b="1" dirty="0"/>
               <a:t>Benötigte Teile</a:t>
             </a:r>
-            <a:endParaRPr lang="de-DE" sz="1056" b="1" dirty="0"/>
           </a:p>
         </p:txBody>
       </p:sp>
@@ -5559,13 +5548,6 @@
   <p:clrMapOvr>
     <a:masterClrMapping/>
   </p:clrMapOvr>
-  <p:timing>
-    <p:tnLst>
-      <p:par>
-        <p:cTn id="1" dur="indefinite" restart="never" nodeType="tmRoot"/>
-      </p:par>
-    </p:tnLst>
-  </p:timing>
 </p:sld>
 </file>
 
@@ -5613,7 +5595,6 @@
               <a:rPr lang="de-DE" sz="2137" b="1" dirty="0"/>
               <a:t>Die Montage des Servomotors</a:t>
             </a:r>
-            <a:endParaRPr lang="de-DE" sz="2137" b="1" dirty="0"/>
           </a:p>
         </p:txBody>
       </p:sp>
@@ -5655,7 +5636,6 @@
               <a:rPr lang="de-DE" sz="1056" b="1" dirty="0"/>
               <a:t>Benötigte Teile</a:t>
             </a:r>
-            <a:endParaRPr lang="de-DE" sz="1056" b="1" dirty="0"/>
           </a:p>
         </p:txBody>
       </p:sp>
@@ -5872,7 +5852,6 @@
               <a:rPr lang="de-DE" sz="1000" dirty="0"/>
               <a:t>Versorgungskabel</a:t>
             </a:r>
-            <a:endParaRPr lang="de-DE" sz="1000" dirty="0"/>
           </a:p>
         </p:txBody>
       </p:sp>
@@ -6023,23 +6002,7 @@
             </a:pPr>
             <a:r>
               <a:rPr lang="de-DE" sz="1000" dirty="0"/>
-              <a:t>Signalkable </a:t>
-            </a:r>
-            <a:r>
-              <a:rPr lang="de-DE" sz="1000" dirty="0"/>
-              <a:t>für das </a:t>
-            </a:r>
-            <a:r>
-              <a:rPr lang="de-DE" sz="1000" dirty="0"/>
-              <a:t>einstellen </a:t>
-            </a:r>
-            <a:r>
-              <a:rPr lang="de-DE" sz="1000" dirty="0"/>
-              <a:t>des </a:t>
-            </a:r>
-            <a:r>
-              <a:rPr lang="de-DE" sz="1000" dirty="0"/>
-              <a:t>Winkels</a:t>
+              <a:t>Signalkable für das einstellen des Winkels</a:t>
             </a:r>
             <a:br>
               <a:rPr lang="de-DE" sz="1000" dirty="0"/>
@@ -6089,7 +6052,6 @@
               <a:rPr lang="de-DE" sz="1000" dirty="0"/>
               <a:t>[Anschluss damit die der Minuspol das gleiche negative Potential hat]</a:t>
             </a:r>
-            <a:endParaRPr lang="de-DE" sz="1000" dirty="0"/>
           </a:p>
         </p:txBody>
       </p:sp>
@@ -6398,7 +6360,6 @@
               <a:rPr lang="de-DE" sz="2137" b="1" dirty="0"/>
               <a:t>Die Programmierung des Servomotors</a:t>
             </a:r>
-            <a:endParaRPr lang="de-DE" sz="2137" b="1" dirty="0"/>
           </a:p>
         </p:txBody>
       </p:sp>
@@ -6463,10 +6424,6 @@
             <a:r>
               <a:rPr lang="de-DE" sz="1000" dirty="0"/>
               <a:t> an Pin [P1] auf [180]“ </a:t>
-            </a:r>
-            <a:r>
-              <a:rPr lang="de-DE" sz="1000" dirty="0"/>
-              <a:t/>
             </a:r>
             <a:br>
               <a:rPr lang="de-DE" sz="1000" dirty="0"/>
@@ -6646,19 +6603,7 @@
             </a:pPr>
             <a:r>
               <a:rPr lang="de-DE" sz="1000" dirty="0"/>
-              <a:t>Signalkable für das </a:t>
-            </a:r>
-            <a:r>
-              <a:rPr lang="de-DE" sz="1000" dirty="0"/>
-              <a:t>einstellen </a:t>
-            </a:r>
-            <a:r>
-              <a:rPr lang="de-DE" sz="1000" dirty="0"/>
-              <a:t>des </a:t>
-            </a:r>
-            <a:r>
-              <a:rPr lang="de-DE" sz="1000" dirty="0"/>
-              <a:t>Winkels</a:t>
+              <a:t>Signalkable für das einstellen des Winkels</a:t>
             </a:r>
             <a:endParaRPr lang="de-DE" sz="1000" b="1" dirty="0"/>
           </a:p>
@@ -6689,7 +6634,6 @@
               <a:rPr lang="de-DE" sz="1000" dirty="0"/>
               <a:t>Rot VCC (+ Pol)</a:t>
             </a:r>
-            <a:endParaRPr lang="de-DE" sz="1000" dirty="0"/>
           </a:p>
         </p:txBody>
       </p:sp>

--- a/Handouts/Handouts-Motor_USR_Servo.pptx
+++ b/Handouts/Handouts-Motor_USR_Servo.pptx
@@ -203,7 +203,7 @@
           <a:p>
             <a:fld id="{EBF56900-53CD-4F05-8A09-57F6FC314F09}" type="datetimeFigureOut">
               <a:rPr lang="de-DE" smtClean="0"/>
-              <a:t>06.12.2019</a:t>
+              <a:t>20.05.2020</a:t>
             </a:fld>
             <a:endParaRPr lang="de-DE"/>
           </a:p>
@@ -1082,7 +1082,7 @@
           <a:p>
             <a:fld id="{6EC89F69-2EBA-4449-A568-4BDE987D048B}" type="datetimeFigureOut">
               <a:rPr lang="de-DE" smtClean="0"/>
-              <a:t>06.12.2019</a:t>
+              <a:t>20.05.2020</a:t>
             </a:fld>
             <a:endParaRPr lang="de-DE"/>
           </a:p>
@@ -1252,7 +1252,7 @@
           <a:p>
             <a:fld id="{6EC89F69-2EBA-4449-A568-4BDE987D048B}" type="datetimeFigureOut">
               <a:rPr lang="de-DE" smtClean="0"/>
-              <a:t>06.12.2019</a:t>
+              <a:t>20.05.2020</a:t>
             </a:fld>
             <a:endParaRPr lang="de-DE"/>
           </a:p>
@@ -1432,7 +1432,7 @@
           <a:p>
             <a:fld id="{6EC89F69-2EBA-4449-A568-4BDE987D048B}" type="datetimeFigureOut">
               <a:rPr lang="de-DE" smtClean="0"/>
-              <a:t>06.12.2019</a:t>
+              <a:t>20.05.2020</a:t>
             </a:fld>
             <a:endParaRPr lang="de-DE"/>
           </a:p>
@@ -1624,7 +1624,7 @@
           <a:p>
             <a:fld id="{6EC89F69-2EBA-4449-A568-4BDE987D048B}" type="datetimeFigureOut">
               <a:rPr lang="de-DE" smtClean="0"/>
-              <a:t>06.12.2019</a:t>
+              <a:t>20.05.2020</a:t>
             </a:fld>
             <a:endParaRPr lang="de-DE"/>
           </a:p>
@@ -1827,7 +1827,7 @@
           <a:p>
             <a:fld id="{6EC89F69-2EBA-4449-A568-4BDE987D048B}" type="datetimeFigureOut">
               <a:rPr lang="de-DE" smtClean="0"/>
-              <a:t>06.12.2019</a:t>
+              <a:t>20.05.2020</a:t>
             </a:fld>
             <a:endParaRPr lang="de-DE"/>
           </a:p>
@@ -2071,7 +2071,7 @@
           <a:p>
             <a:fld id="{6EC89F69-2EBA-4449-A568-4BDE987D048B}" type="datetimeFigureOut">
               <a:rPr lang="de-DE" smtClean="0"/>
-              <a:t>06.12.2019</a:t>
+              <a:t>20.05.2020</a:t>
             </a:fld>
             <a:endParaRPr lang="de-DE"/>
           </a:p>
@@ -2303,7 +2303,7 @@
           <a:p>
             <a:fld id="{6EC89F69-2EBA-4449-A568-4BDE987D048B}" type="datetimeFigureOut">
               <a:rPr lang="de-DE" smtClean="0"/>
-              <a:t>06.12.2019</a:t>
+              <a:t>20.05.2020</a:t>
             </a:fld>
             <a:endParaRPr lang="de-DE"/>
           </a:p>
@@ -2670,7 +2670,7 @@
           <a:p>
             <a:fld id="{6EC89F69-2EBA-4449-A568-4BDE987D048B}" type="datetimeFigureOut">
               <a:rPr lang="de-DE" smtClean="0"/>
-              <a:t>06.12.2019</a:t>
+              <a:t>20.05.2020</a:t>
             </a:fld>
             <a:endParaRPr lang="de-DE"/>
           </a:p>
@@ -2788,7 +2788,7 @@
           <a:p>
             <a:fld id="{6EC89F69-2EBA-4449-A568-4BDE987D048B}" type="datetimeFigureOut">
               <a:rPr lang="de-DE" smtClean="0"/>
-              <a:t>06.12.2019</a:t>
+              <a:t>20.05.2020</a:t>
             </a:fld>
             <a:endParaRPr lang="de-DE"/>
           </a:p>
@@ -2883,7 +2883,7 @@
           <a:p>
             <a:fld id="{6EC89F69-2EBA-4449-A568-4BDE987D048B}" type="datetimeFigureOut">
               <a:rPr lang="de-DE" smtClean="0"/>
-              <a:t>06.12.2019</a:t>
+              <a:t>20.05.2020</a:t>
             </a:fld>
             <a:endParaRPr lang="de-DE"/>
           </a:p>
@@ -3160,7 +3160,7 @@
           <a:p>
             <a:fld id="{6EC89F69-2EBA-4449-A568-4BDE987D048B}" type="datetimeFigureOut">
               <a:rPr lang="de-DE" smtClean="0"/>
-              <a:t>06.12.2019</a:t>
+              <a:t>20.05.2020</a:t>
             </a:fld>
             <a:endParaRPr lang="de-DE"/>
           </a:p>
@@ -3373,7 +3373,7 @@
           <a:p>
             <a:fld id="{6EC89F69-2EBA-4449-A568-4BDE987D048B}" type="datetimeFigureOut">
               <a:rPr lang="de-DE" smtClean="0"/>
-              <a:t>06.12.2019</a:t>
+              <a:t>20.05.2020</a:t>
             </a:fld>
             <a:endParaRPr lang="de-DE"/>
           </a:p>
@@ -4875,7 +4875,7 @@
         </p:nvSpPr>
         <p:spPr>
           <a:xfrm>
-            <a:off x="40713" y="5470346"/>
+            <a:off x="40713" y="5443969"/>
             <a:ext cx="5316568" cy="421206"/>
           </a:xfrm>
           <a:prstGeom prst="rect">
@@ -4905,8 +4905,8 @@
         </p:nvSpPr>
         <p:spPr>
           <a:xfrm>
-            <a:off x="233584" y="5918221"/>
-            <a:ext cx="4798506" cy="1323439"/>
+            <a:off x="229400" y="5805947"/>
+            <a:ext cx="4798506" cy="1631216"/>
           </a:xfrm>
           <a:prstGeom prst="rect">
             <a:avLst/>
@@ -4943,6 +4943,29 @@
             </a:r>
           </a:p>
           <a:p>
+            <a:r>
+              <a:rPr lang="de-DE" sz="1000" dirty="0"/>
+              <a:t>        </a:t>
+            </a:r>
+            <a:r>
+              <a:rPr lang="de-DE" sz="1000" i="1" dirty="0"/>
+              <a:t>alternativ unter Paket hinzufügen diese Adresse eingeben:</a:t>
+            </a:r>
+          </a:p>
+          <a:p>
+            <a:r>
+              <a:rPr lang="de-DE" sz="1000" i="1" dirty="0"/>
+              <a:t>        </a:t>
+            </a:r>
+            <a:r>
+              <a:rPr lang="de-DE" sz="1000" i="1" dirty="0">
+                <a:hlinkClick r:id="rId3"/>
+              </a:rPr>
+              <a:t>https://github.com/Seeed-Studio/pxt-grove</a:t>
+            </a:r>
+            <a:endParaRPr lang="de-DE" sz="1000" dirty="0"/>
+          </a:p>
+          <a:p>
             <a:pPr marL="218056" indent="-218056">
               <a:buFont typeface="Arial" panose="020B0604020202020204" pitchFamily="34" charset="0"/>
               <a:buChar char="•"/>
@@ -4988,36 +5011,6 @@
       <p:pic>
         <p:nvPicPr>
           <p:cNvPr id="27" name="Grafik 26"/>
-          <p:cNvPicPr>
-            <a:picLocks noChangeAspect="1"/>
-          </p:cNvPicPr>
-          <p:nvPr/>
-        </p:nvPicPr>
-        <p:blipFill>
-          <a:blip r:embed="rId3">
-            <a:extLst>
-              <a:ext uri="{28A0092B-C50C-407E-A947-70E740481C1C}">
-                <a14:useLocalDpi xmlns:a14="http://schemas.microsoft.com/office/drawing/2010/main" val="0"/>
-              </a:ext>
-            </a:extLst>
-          </a:blip>
-          <a:stretch>
-            <a:fillRect/>
-          </a:stretch>
-        </p:blipFill>
-        <p:spPr>
-          <a:xfrm>
-            <a:off x="3780085" y="5979686"/>
-            <a:ext cx="1318165" cy="416773"/>
-          </a:xfrm>
-          <a:prstGeom prst="rect">
-            <a:avLst/>
-          </a:prstGeom>
-        </p:spPr>
-      </p:pic>
-      <p:pic>
-        <p:nvPicPr>
-          <p:cNvPr id="28" name="Grafik 27"/>
           <p:cNvPicPr>
             <a:picLocks noChangeAspect="1"/>
           </p:cNvPicPr>
@@ -5037,8 +5030,8 @@
         </p:blipFill>
         <p:spPr>
           <a:xfrm>
-            <a:off x="3780085" y="6396459"/>
-            <a:ext cx="1318165" cy="208386"/>
+            <a:off x="3780085" y="5864561"/>
+            <a:ext cx="1318165" cy="416773"/>
           </a:xfrm>
           <a:prstGeom prst="rect">
             <a:avLst/>
@@ -5047,7 +5040,7 @@
       </p:pic>
       <p:pic>
         <p:nvPicPr>
-          <p:cNvPr id="31" name="Grafik 30"/>
+          <p:cNvPr id="28" name="Grafik 27"/>
           <p:cNvPicPr>
             <a:picLocks noChangeAspect="1"/>
           </p:cNvPicPr>
@@ -5067,8 +5060,8 @@
         </p:blipFill>
         <p:spPr>
           <a:xfrm>
-            <a:off x="3067223" y="6837962"/>
-            <a:ext cx="2031027" cy="183657"/>
+            <a:off x="3780085" y="6281334"/>
+            <a:ext cx="1318165" cy="208386"/>
           </a:xfrm>
           <a:prstGeom prst="rect">
             <a:avLst/>
@@ -5077,14 +5070,14 @@
       </p:pic>
       <p:pic>
         <p:nvPicPr>
-          <p:cNvPr id="17" name="Grafik 16"/>
+          <p:cNvPr id="31" name="Grafik 30"/>
           <p:cNvPicPr>
             <a:picLocks noChangeAspect="1"/>
           </p:cNvPicPr>
           <p:nvPr/>
         </p:nvPicPr>
         <p:blipFill>
-          <a:blip r:embed="rId6" cstate="print">
+          <a:blip r:embed="rId6">
             <a:extLst>
               <a:ext uri="{28A0092B-C50C-407E-A947-70E740481C1C}">
                 <a14:useLocalDpi xmlns:a14="http://schemas.microsoft.com/office/drawing/2010/main" val="0"/>
@@ -5097,104 +5090,17 @@
         </p:blipFill>
         <p:spPr>
           <a:xfrm>
-            <a:off x="282483" y="2131202"/>
-            <a:ext cx="2210505" cy="1657484"/>
+            <a:off x="3067223" y="6837962"/>
+            <a:ext cx="2031027" cy="183657"/>
           </a:xfrm>
           <a:prstGeom prst="rect">
             <a:avLst/>
           </a:prstGeom>
         </p:spPr>
       </p:pic>
-      <p:sp>
-        <p:nvSpPr>
-          <p:cNvPr id="23" name="Ellipse 22"/>
-          <p:cNvSpPr/>
-          <p:nvPr/>
-        </p:nvSpPr>
-        <p:spPr>
-          <a:xfrm rot="2095642">
-            <a:off x="1508086" y="2396611"/>
-            <a:ext cx="363349" cy="365465"/>
-          </a:xfrm>
-          <a:prstGeom prst="ellipse">
-            <a:avLst/>
-          </a:prstGeom>
-          <a:noFill/>
-          <a:ln w="38100">
-            <a:solidFill>
-              <a:srgbClr val="FF0000"/>
-            </a:solidFill>
-          </a:ln>
-        </p:spPr>
-        <p:style>
-          <a:lnRef idx="2">
-            <a:schemeClr val="accent1">
-              <a:shade val="50000"/>
-            </a:schemeClr>
-          </a:lnRef>
-          <a:fillRef idx="1">
-            <a:schemeClr val="accent1"/>
-          </a:fillRef>
-          <a:effectRef idx="0">
-            <a:schemeClr val="accent1"/>
-          </a:effectRef>
-          <a:fontRef idx="minor">
-            <a:schemeClr val="lt1"/>
-          </a:fontRef>
-        </p:style>
-        <p:txBody>
-          <a:bodyPr rtlCol="0" anchor="ctr"/>
-          <a:lstStyle/>
-          <a:p>
-            <a:pPr algn="ctr"/>
-            <a:endParaRPr lang="de-DE" sz="1056"/>
-          </a:p>
-        </p:txBody>
-      </p:sp>
-      <p:sp>
-        <p:nvSpPr>
-          <p:cNvPr id="32" name="Rechteck 31"/>
-          <p:cNvSpPr/>
-          <p:nvPr/>
-        </p:nvSpPr>
-        <p:spPr>
-          <a:xfrm>
-            <a:off x="299744" y="640123"/>
-            <a:ext cx="2197846" cy="1349098"/>
-          </a:xfrm>
-          <a:prstGeom prst="rect">
-            <a:avLst/>
-          </a:prstGeom>
-        </p:spPr>
-        <p:style>
-          <a:lnRef idx="2">
-            <a:schemeClr val="dk1"/>
-          </a:lnRef>
-          <a:fillRef idx="1">
-            <a:schemeClr val="lt1"/>
-          </a:fillRef>
-          <a:effectRef idx="0">
-            <a:schemeClr val="dk1"/>
-          </a:effectRef>
-          <a:fontRef idx="minor">
-            <a:schemeClr val="dk1"/>
-          </a:fontRef>
-        </p:style>
-        <p:txBody>
-          <a:bodyPr rtlCol="0" anchor="t"/>
-          <a:lstStyle/>
-          <a:p>
-            <a:pPr algn="ctr"/>
-            <a:r>
-              <a:rPr lang="de-DE" sz="1056" b="1" dirty="0"/>
-              <a:t>Benötigte Teile</a:t>
-            </a:r>
-          </a:p>
-        </p:txBody>
-      </p:sp>
       <p:pic>
         <p:nvPicPr>
-          <p:cNvPr id="9" name="Grafik 8"/>
+          <p:cNvPr id="17" name="Grafik 16"/>
           <p:cNvPicPr>
             <a:picLocks noChangeAspect="1"/>
           </p:cNvPicPr>
@@ -5214,17 +5120,104 @@
         </p:blipFill>
         <p:spPr>
           <a:xfrm>
-            <a:off x="1417510" y="938093"/>
-            <a:ext cx="1043977" cy="783259"/>
+            <a:off x="282483" y="2131202"/>
+            <a:ext cx="2210505" cy="1657484"/>
           </a:xfrm>
           <a:prstGeom prst="rect">
             <a:avLst/>
           </a:prstGeom>
         </p:spPr>
       </p:pic>
+      <p:sp>
+        <p:nvSpPr>
+          <p:cNvPr id="23" name="Ellipse 22"/>
+          <p:cNvSpPr/>
+          <p:nvPr/>
+        </p:nvSpPr>
+        <p:spPr>
+          <a:xfrm rot="2095642">
+            <a:off x="1508086" y="2396611"/>
+            <a:ext cx="363349" cy="365465"/>
+          </a:xfrm>
+          <a:prstGeom prst="ellipse">
+            <a:avLst/>
+          </a:prstGeom>
+          <a:noFill/>
+          <a:ln w="38100">
+            <a:solidFill>
+              <a:srgbClr val="FF0000"/>
+            </a:solidFill>
+          </a:ln>
+        </p:spPr>
+        <p:style>
+          <a:lnRef idx="2">
+            <a:schemeClr val="accent1">
+              <a:shade val="50000"/>
+            </a:schemeClr>
+          </a:lnRef>
+          <a:fillRef idx="1">
+            <a:schemeClr val="accent1"/>
+          </a:fillRef>
+          <a:effectRef idx="0">
+            <a:schemeClr val="accent1"/>
+          </a:effectRef>
+          <a:fontRef idx="minor">
+            <a:schemeClr val="lt1"/>
+          </a:fontRef>
+        </p:style>
+        <p:txBody>
+          <a:bodyPr rtlCol="0" anchor="ctr"/>
+          <a:lstStyle/>
+          <a:p>
+            <a:pPr algn="ctr"/>
+            <a:endParaRPr lang="de-DE" sz="1056"/>
+          </a:p>
+        </p:txBody>
+      </p:sp>
+      <p:sp>
+        <p:nvSpPr>
+          <p:cNvPr id="32" name="Rechteck 31"/>
+          <p:cNvSpPr/>
+          <p:nvPr/>
+        </p:nvSpPr>
+        <p:spPr>
+          <a:xfrm>
+            <a:off x="299744" y="640123"/>
+            <a:ext cx="2197846" cy="1349098"/>
+          </a:xfrm>
+          <a:prstGeom prst="rect">
+            <a:avLst/>
+          </a:prstGeom>
+        </p:spPr>
+        <p:style>
+          <a:lnRef idx="2">
+            <a:schemeClr val="dk1"/>
+          </a:lnRef>
+          <a:fillRef idx="1">
+            <a:schemeClr val="lt1"/>
+          </a:fillRef>
+          <a:effectRef idx="0">
+            <a:schemeClr val="dk1"/>
+          </a:effectRef>
+          <a:fontRef idx="minor">
+            <a:schemeClr val="dk1"/>
+          </a:fontRef>
+        </p:style>
+        <p:txBody>
+          <a:bodyPr rtlCol="0" anchor="t"/>
+          <a:lstStyle/>
+          <a:p>
+            <a:pPr algn="ctr"/>
+            <a:r>
+              <a:rPr lang="de-DE" sz="1056" b="1" dirty="0"/>
+              <a:t>Benötigte Teile</a:t>
+            </a:r>
+          </a:p>
+        </p:txBody>
+      </p:sp>
       <p:pic>
         <p:nvPicPr>
-          <p:cNvPr id="10" name="Grafik 9"/>
+          <p:cNvPr id="9" name="Grafik 8"/>
           <p:cNvPicPr>
             <a:picLocks noChangeAspect="1"/>
           </p:cNvPicPr>
@@ -5244,6 +5237,36 @@
         </p:blipFill>
         <p:spPr>
           <a:xfrm>
+            <a:off x="1417510" y="938093"/>
+            <a:ext cx="1043977" cy="783259"/>
+          </a:xfrm>
+          <a:prstGeom prst="rect">
+            <a:avLst/>
+          </a:prstGeom>
+        </p:spPr>
+      </p:pic>
+      <p:pic>
+        <p:nvPicPr>
+          <p:cNvPr id="10" name="Grafik 9"/>
+          <p:cNvPicPr>
+            <a:picLocks noChangeAspect="1"/>
+          </p:cNvPicPr>
+          <p:nvPr/>
+        </p:nvPicPr>
+        <p:blipFill>
+          <a:blip r:embed="rId9" cstate="print">
+            <a:extLst>
+              <a:ext uri="{28A0092B-C50C-407E-A947-70E740481C1C}">
+                <a14:useLocalDpi xmlns:a14="http://schemas.microsoft.com/office/drawing/2010/main" val="0"/>
+              </a:ext>
+            </a:extLst>
+          </a:blip>
+          <a:stretch>
+            <a:fillRect/>
+          </a:stretch>
+        </p:blipFill>
+        <p:spPr>
+          <a:xfrm>
             <a:off x="337429" y="938120"/>
             <a:ext cx="1043977" cy="783204"/>
           </a:xfrm>
@@ -5296,7 +5319,7 @@
           <p:nvPr/>
         </p:nvPicPr>
         <p:blipFill>
-          <a:blip r:embed="rId9" cstate="print">
+          <a:blip r:embed="rId10" cstate="print">
             <a:extLst>
               <a:ext uri="{28A0092B-C50C-407E-A947-70E740481C1C}">
                 <a14:useLocalDpi xmlns:a14="http://schemas.microsoft.com/office/drawing/2010/main" val="0"/>

--- a/Handouts/Handouts-Motor_USR_Servo.pptx
+++ b/Handouts/Handouts-Motor_USR_Servo.pptx
@@ -203,7 +203,7 @@
           <a:p>
             <a:fld id="{EBF56900-53CD-4F05-8A09-57F6FC314F09}" type="datetimeFigureOut">
               <a:rPr lang="de-DE" smtClean="0"/>
-              <a:t>20.05.2020</a:t>
+              <a:t>21.07.2020</a:t>
             </a:fld>
             <a:endParaRPr lang="de-DE"/>
           </a:p>
@@ -1082,7 +1082,7 @@
           <a:p>
             <a:fld id="{6EC89F69-2EBA-4449-A568-4BDE987D048B}" type="datetimeFigureOut">
               <a:rPr lang="de-DE" smtClean="0"/>
-              <a:t>20.05.2020</a:t>
+              <a:t>21.07.2020</a:t>
             </a:fld>
             <a:endParaRPr lang="de-DE"/>
           </a:p>
@@ -1252,7 +1252,7 @@
           <a:p>
             <a:fld id="{6EC89F69-2EBA-4449-A568-4BDE987D048B}" type="datetimeFigureOut">
               <a:rPr lang="de-DE" smtClean="0"/>
-              <a:t>20.05.2020</a:t>
+              <a:t>21.07.2020</a:t>
             </a:fld>
             <a:endParaRPr lang="de-DE"/>
           </a:p>
@@ -1432,7 +1432,7 @@
           <a:p>
             <a:fld id="{6EC89F69-2EBA-4449-A568-4BDE987D048B}" type="datetimeFigureOut">
               <a:rPr lang="de-DE" smtClean="0"/>
-              <a:t>20.05.2020</a:t>
+              <a:t>21.07.2020</a:t>
             </a:fld>
             <a:endParaRPr lang="de-DE"/>
           </a:p>
@@ -1624,7 +1624,7 @@
           <a:p>
             <a:fld id="{6EC89F69-2EBA-4449-A568-4BDE987D048B}" type="datetimeFigureOut">
               <a:rPr lang="de-DE" smtClean="0"/>
-              <a:t>20.05.2020</a:t>
+              <a:t>21.07.2020</a:t>
             </a:fld>
             <a:endParaRPr lang="de-DE"/>
           </a:p>
@@ -1827,7 +1827,7 @@
           <a:p>
             <a:fld id="{6EC89F69-2EBA-4449-A568-4BDE987D048B}" type="datetimeFigureOut">
               <a:rPr lang="de-DE" smtClean="0"/>
-              <a:t>20.05.2020</a:t>
+              <a:t>21.07.2020</a:t>
             </a:fld>
             <a:endParaRPr lang="de-DE"/>
           </a:p>
@@ -2071,7 +2071,7 @@
           <a:p>
             <a:fld id="{6EC89F69-2EBA-4449-A568-4BDE987D048B}" type="datetimeFigureOut">
               <a:rPr lang="de-DE" smtClean="0"/>
-              <a:t>20.05.2020</a:t>
+              <a:t>21.07.2020</a:t>
             </a:fld>
             <a:endParaRPr lang="de-DE"/>
           </a:p>
@@ -2303,7 +2303,7 @@
           <a:p>
             <a:fld id="{6EC89F69-2EBA-4449-A568-4BDE987D048B}" type="datetimeFigureOut">
               <a:rPr lang="de-DE" smtClean="0"/>
-              <a:t>20.05.2020</a:t>
+              <a:t>21.07.2020</a:t>
             </a:fld>
             <a:endParaRPr lang="de-DE"/>
           </a:p>
@@ -2670,7 +2670,7 @@
           <a:p>
             <a:fld id="{6EC89F69-2EBA-4449-A568-4BDE987D048B}" type="datetimeFigureOut">
               <a:rPr lang="de-DE" smtClean="0"/>
-              <a:t>20.05.2020</a:t>
+              <a:t>21.07.2020</a:t>
             </a:fld>
             <a:endParaRPr lang="de-DE"/>
           </a:p>
@@ -2788,7 +2788,7 @@
           <a:p>
             <a:fld id="{6EC89F69-2EBA-4449-A568-4BDE987D048B}" type="datetimeFigureOut">
               <a:rPr lang="de-DE" smtClean="0"/>
-              <a:t>20.05.2020</a:t>
+              <a:t>21.07.2020</a:t>
             </a:fld>
             <a:endParaRPr lang="de-DE"/>
           </a:p>
@@ -2883,7 +2883,7 @@
           <a:p>
             <a:fld id="{6EC89F69-2EBA-4449-A568-4BDE987D048B}" type="datetimeFigureOut">
               <a:rPr lang="de-DE" smtClean="0"/>
-              <a:t>20.05.2020</a:t>
+              <a:t>21.07.2020</a:t>
             </a:fld>
             <a:endParaRPr lang="de-DE"/>
           </a:p>
@@ -3160,7 +3160,7 @@
           <a:p>
             <a:fld id="{6EC89F69-2EBA-4449-A568-4BDE987D048B}" type="datetimeFigureOut">
               <a:rPr lang="de-DE" smtClean="0"/>
-              <a:t>20.05.2020</a:t>
+              <a:t>21.07.2020</a:t>
             </a:fld>
             <a:endParaRPr lang="de-DE"/>
           </a:p>
@@ -3373,7 +3373,7 @@
           <a:p>
             <a:fld id="{6EC89F69-2EBA-4449-A568-4BDE987D048B}" type="datetimeFigureOut">
               <a:rPr lang="de-DE" smtClean="0"/>
-              <a:t>20.05.2020</a:t>
+              <a:t>21.07.2020</a:t>
             </a:fld>
             <a:endParaRPr lang="de-DE"/>
           </a:p>
@@ -4239,36 +4239,6 @@
           </a:p>
         </p:txBody>
       </p:sp>
-      <p:pic>
-        <p:nvPicPr>
-          <p:cNvPr id="2" name="Grafik 1"/>
-          <p:cNvPicPr>
-            <a:picLocks noChangeAspect="1"/>
-          </p:cNvPicPr>
-          <p:nvPr/>
-        </p:nvPicPr>
-        <p:blipFill>
-          <a:blip r:embed="rId8">
-            <a:extLst>
-              <a:ext uri="{28A0092B-C50C-407E-A947-70E740481C1C}">
-                <a14:useLocalDpi xmlns:a14="http://schemas.microsoft.com/office/drawing/2010/main" val="0"/>
-              </a:ext>
-            </a:extLst>
-          </a:blip>
-          <a:stretch>
-            <a:fillRect/>
-          </a:stretch>
-        </p:blipFill>
-        <p:spPr>
-          <a:xfrm>
-            <a:off x="3600458" y="6427193"/>
-            <a:ext cx="1449381" cy="300390"/>
-          </a:xfrm>
-          <a:prstGeom prst="rect">
-            <a:avLst/>
-          </a:prstGeom>
-        </p:spPr>
-      </p:pic>
       <p:sp>
         <p:nvSpPr>
           <p:cNvPr id="17" name="Textfeld 16"/>
@@ -4429,6 +4399,36 @@
       <p:pic>
         <p:nvPicPr>
           <p:cNvPr id="23" name="Grafik 22"/>
+          <p:cNvPicPr>
+            <a:picLocks noChangeAspect="1"/>
+          </p:cNvPicPr>
+          <p:nvPr/>
+        </p:nvPicPr>
+        <p:blipFill>
+          <a:blip r:embed="rId8" cstate="print">
+            <a:extLst>
+              <a:ext uri="{28A0092B-C50C-407E-A947-70E740481C1C}">
+                <a14:useLocalDpi xmlns:a14="http://schemas.microsoft.com/office/drawing/2010/main" val="0"/>
+              </a:ext>
+            </a:extLst>
+          </a:blip>
+          <a:stretch>
+            <a:fillRect/>
+          </a:stretch>
+        </p:blipFill>
+        <p:spPr>
+          <a:xfrm>
+            <a:off x="324811" y="938957"/>
+            <a:ext cx="1043977" cy="783203"/>
+          </a:xfrm>
+          <a:prstGeom prst="rect">
+            <a:avLst/>
+          </a:prstGeom>
+        </p:spPr>
+      </p:pic>
+      <p:pic>
+        <p:nvPicPr>
+          <p:cNvPr id="24" name="Grafik 23"/>
           <p:cNvPicPr>
             <a:picLocks noChangeAspect="1"/>
           </p:cNvPicPr>
@@ -4448,7 +4448,7 @@
         </p:blipFill>
         <p:spPr>
           <a:xfrm>
-            <a:off x="324811" y="938957"/>
+            <a:off x="2497156" y="938957"/>
             <a:ext cx="1043977" cy="783203"/>
           </a:xfrm>
           <a:prstGeom prst="rect">
@@ -4458,7 +4458,7 @@
       </p:pic>
       <p:pic>
         <p:nvPicPr>
-          <p:cNvPr id="24" name="Grafik 23"/>
+          <p:cNvPr id="25" name="Grafik 24"/>
           <p:cNvPicPr>
             <a:picLocks noChangeAspect="1"/>
           </p:cNvPicPr>
@@ -4478,137 +4478,137 @@
         </p:blipFill>
         <p:spPr>
           <a:xfrm>
-            <a:off x="2497156" y="938957"/>
-            <a:ext cx="1043977" cy="783203"/>
+            <a:off x="1410984" y="938958"/>
+            <a:ext cx="1043977" cy="783200"/>
           </a:xfrm>
           <a:prstGeom prst="rect">
             <a:avLst/>
           </a:prstGeom>
         </p:spPr>
       </p:pic>
+      <p:sp>
+        <p:nvSpPr>
+          <p:cNvPr id="26" name="Textfeld 25"/>
+          <p:cNvSpPr txBox="1"/>
+          <p:nvPr/>
+        </p:nvSpPr>
+        <p:spPr>
+          <a:xfrm>
+            <a:off x="436106" y="1751745"/>
+            <a:ext cx="821388" cy="246221"/>
+          </a:xfrm>
+          <a:prstGeom prst="rect">
+            <a:avLst/>
+          </a:prstGeom>
+          <a:noFill/>
+        </p:spPr>
+        <p:txBody>
+          <a:bodyPr wrap="square" rtlCol="0">
+            <a:spAutoFit/>
+          </a:bodyPr>
+          <a:lstStyle/>
+          <a:p>
+            <a:pPr algn="ctr"/>
+            <a:r>
+              <a:rPr lang="de-DE" sz="1000" dirty="0"/>
+              <a:t>Netzteil</a:t>
+            </a:r>
+            <a:endParaRPr lang="de-DE" sz="1068" dirty="0"/>
+          </a:p>
+        </p:txBody>
+      </p:sp>
+      <p:sp>
+        <p:nvSpPr>
+          <p:cNvPr id="27" name="Textfeld 26"/>
+          <p:cNvSpPr txBox="1"/>
+          <p:nvPr/>
+        </p:nvSpPr>
+        <p:spPr>
+          <a:xfrm>
+            <a:off x="1522278" y="1755250"/>
+            <a:ext cx="821388" cy="246221"/>
+          </a:xfrm>
+          <a:prstGeom prst="rect">
+            <a:avLst/>
+          </a:prstGeom>
+          <a:noFill/>
+        </p:spPr>
+        <p:txBody>
+          <a:bodyPr wrap="square" rtlCol="0">
+            <a:spAutoFit/>
+          </a:bodyPr>
+          <a:lstStyle/>
+          <a:p>
+            <a:pPr algn="ctr"/>
+            <a:r>
+              <a:rPr lang="de-DE" sz="1000" dirty="0" err="1"/>
+              <a:t>Lüfterkabel</a:t>
+            </a:r>
+            <a:endParaRPr lang="de-DE" sz="1068" dirty="0"/>
+          </a:p>
+        </p:txBody>
+      </p:sp>
+      <p:sp>
+        <p:nvSpPr>
+          <p:cNvPr id="28" name="Textfeld 27"/>
+          <p:cNvSpPr txBox="1"/>
+          <p:nvPr/>
+        </p:nvSpPr>
+        <p:spPr>
+          <a:xfrm>
+            <a:off x="2608451" y="1751745"/>
+            <a:ext cx="821388" cy="246221"/>
+          </a:xfrm>
+          <a:prstGeom prst="rect">
+            <a:avLst/>
+          </a:prstGeom>
+          <a:noFill/>
+        </p:spPr>
+        <p:txBody>
+          <a:bodyPr wrap="square" rtlCol="0">
+            <a:spAutoFit/>
+          </a:bodyPr>
+          <a:lstStyle/>
+          <a:p>
+            <a:pPr algn="ctr"/>
+            <a:r>
+              <a:rPr lang="de-DE" sz="1000" dirty="0"/>
+              <a:t>Lüfter</a:t>
+            </a:r>
+            <a:endParaRPr lang="de-DE" sz="1068" dirty="0"/>
+          </a:p>
+        </p:txBody>
+      </p:sp>
       <p:pic>
         <p:nvPicPr>
-          <p:cNvPr id="25" name="Grafik 24"/>
+          <p:cNvPr id="30" name="Grafik 29">
+            <a:extLst>
+              <a:ext uri="{FF2B5EF4-FFF2-40B4-BE49-F238E27FC236}">
+                <a16:creationId xmlns:a16="http://schemas.microsoft.com/office/drawing/2014/main" id="{4FF5ED5C-E447-446D-8676-F7645AE368F5}"/>
+              </a:ext>
+            </a:extLst>
+          </p:cNvPr>
           <p:cNvPicPr>
             <a:picLocks noChangeAspect="1"/>
           </p:cNvPicPr>
           <p:nvPr/>
         </p:nvPicPr>
         <p:blipFill>
-          <a:blip r:embed="rId11" cstate="print">
-            <a:extLst>
-              <a:ext uri="{28A0092B-C50C-407E-A947-70E740481C1C}">
-                <a14:useLocalDpi xmlns:a14="http://schemas.microsoft.com/office/drawing/2010/main" val="0"/>
-              </a:ext>
-            </a:extLst>
-          </a:blip>
+          <a:blip r:embed="rId11"/>
           <a:stretch>
             <a:fillRect/>
           </a:stretch>
         </p:blipFill>
         <p:spPr>
           <a:xfrm>
-            <a:off x="1410984" y="938958"/>
-            <a:ext cx="1043977" cy="783200"/>
+            <a:off x="3530890" y="6479650"/>
+            <a:ext cx="1372795" cy="339188"/>
           </a:xfrm>
           <a:prstGeom prst="rect">
             <a:avLst/>
           </a:prstGeom>
         </p:spPr>
       </p:pic>
-      <p:sp>
-        <p:nvSpPr>
-          <p:cNvPr id="26" name="Textfeld 25"/>
-          <p:cNvSpPr txBox="1"/>
-          <p:nvPr/>
-        </p:nvSpPr>
-        <p:spPr>
-          <a:xfrm>
-            <a:off x="436106" y="1751745"/>
-            <a:ext cx="821388" cy="246221"/>
-          </a:xfrm>
-          <a:prstGeom prst="rect">
-            <a:avLst/>
-          </a:prstGeom>
-          <a:noFill/>
-        </p:spPr>
-        <p:txBody>
-          <a:bodyPr wrap="square" rtlCol="0">
-            <a:spAutoFit/>
-          </a:bodyPr>
-          <a:lstStyle/>
-          <a:p>
-            <a:pPr algn="ctr"/>
-            <a:r>
-              <a:rPr lang="de-DE" sz="1000" dirty="0"/>
-              <a:t>Netzteil</a:t>
-            </a:r>
-            <a:endParaRPr lang="de-DE" sz="1068" dirty="0"/>
-          </a:p>
-        </p:txBody>
-      </p:sp>
-      <p:sp>
-        <p:nvSpPr>
-          <p:cNvPr id="27" name="Textfeld 26"/>
-          <p:cNvSpPr txBox="1"/>
-          <p:nvPr/>
-        </p:nvSpPr>
-        <p:spPr>
-          <a:xfrm>
-            <a:off x="1522278" y="1755250"/>
-            <a:ext cx="821388" cy="246221"/>
-          </a:xfrm>
-          <a:prstGeom prst="rect">
-            <a:avLst/>
-          </a:prstGeom>
-          <a:noFill/>
-        </p:spPr>
-        <p:txBody>
-          <a:bodyPr wrap="square" rtlCol="0">
-            <a:spAutoFit/>
-          </a:bodyPr>
-          <a:lstStyle/>
-          <a:p>
-            <a:pPr algn="ctr"/>
-            <a:r>
-              <a:rPr lang="de-DE" sz="1000" dirty="0" err="1"/>
-              <a:t>Lüfterkabel</a:t>
-            </a:r>
-            <a:endParaRPr lang="de-DE" sz="1068" dirty="0"/>
-          </a:p>
-        </p:txBody>
-      </p:sp>
-      <p:sp>
-        <p:nvSpPr>
-          <p:cNvPr id="28" name="Textfeld 27"/>
-          <p:cNvSpPr txBox="1"/>
-          <p:nvPr/>
-        </p:nvSpPr>
-        <p:spPr>
-          <a:xfrm>
-            <a:off x="2608451" y="1751745"/>
-            <a:ext cx="821388" cy="246221"/>
-          </a:xfrm>
-          <a:prstGeom prst="rect">
-            <a:avLst/>
-          </a:prstGeom>
-          <a:noFill/>
-        </p:spPr>
-        <p:txBody>
-          <a:bodyPr wrap="square" rtlCol="0">
-            <a:spAutoFit/>
-          </a:bodyPr>
-          <a:lstStyle/>
-          <a:p>
-            <a:pPr algn="ctr"/>
-            <a:r>
-              <a:rPr lang="de-DE" sz="1000" dirty="0"/>
-              <a:t>Lüfter</a:t>
-            </a:r>
-            <a:endParaRPr lang="de-DE" sz="1068" dirty="0"/>
-          </a:p>
-        </p:txBody>
-      </p:sp>
     </p:spTree>
     <p:extLst>
       <p:ext uri="{BB962C8B-B14F-4D97-AF65-F5344CB8AC3E}">
@@ -4875,7 +4875,7 @@
         </p:nvSpPr>
         <p:spPr>
           <a:xfrm>
-            <a:off x="40713" y="5443969"/>
+            <a:off x="40713" y="5470346"/>
             <a:ext cx="5316568" cy="421206"/>
           </a:xfrm>
           <a:prstGeom prst="rect">
@@ -4905,8 +4905,8 @@
         </p:nvSpPr>
         <p:spPr>
           <a:xfrm>
-            <a:off x="229400" y="5805947"/>
-            <a:ext cx="4798506" cy="1631216"/>
+            <a:off x="233584" y="5918221"/>
+            <a:ext cx="4798506" cy="1323439"/>
           </a:xfrm>
           <a:prstGeom prst="rect">
             <a:avLst/>
@@ -4943,29 +4943,6 @@
             </a:r>
           </a:p>
           <a:p>
-            <a:r>
-              <a:rPr lang="de-DE" sz="1000" dirty="0"/>
-              <a:t>        </a:t>
-            </a:r>
-            <a:r>
-              <a:rPr lang="de-DE" sz="1000" i="1" dirty="0"/>
-              <a:t>alternativ unter Paket hinzufügen diese Adresse eingeben:</a:t>
-            </a:r>
-          </a:p>
-          <a:p>
-            <a:r>
-              <a:rPr lang="de-DE" sz="1000" i="1" dirty="0"/>
-              <a:t>        </a:t>
-            </a:r>
-            <a:r>
-              <a:rPr lang="de-DE" sz="1000" i="1" dirty="0">
-                <a:hlinkClick r:id="rId3"/>
-              </a:rPr>
-              <a:t>https://github.com/Seeed-Studio/pxt-grove</a:t>
-            </a:r>
-            <a:endParaRPr lang="de-DE" sz="1000" dirty="0"/>
-          </a:p>
-          <a:p>
             <a:pPr marL="218056" indent="-218056">
               <a:buFont typeface="Arial" panose="020B0604020202020204" pitchFamily="34" charset="0"/>
               <a:buChar char="•"/>
@@ -5008,96 +4985,6 @@
           </a:p>
         </p:txBody>
       </p:sp>
-      <p:pic>
-        <p:nvPicPr>
-          <p:cNvPr id="27" name="Grafik 26"/>
-          <p:cNvPicPr>
-            <a:picLocks noChangeAspect="1"/>
-          </p:cNvPicPr>
-          <p:nvPr/>
-        </p:nvPicPr>
-        <p:blipFill>
-          <a:blip r:embed="rId4">
-            <a:extLst>
-              <a:ext uri="{28A0092B-C50C-407E-A947-70E740481C1C}">
-                <a14:useLocalDpi xmlns:a14="http://schemas.microsoft.com/office/drawing/2010/main" val="0"/>
-              </a:ext>
-            </a:extLst>
-          </a:blip>
-          <a:stretch>
-            <a:fillRect/>
-          </a:stretch>
-        </p:blipFill>
-        <p:spPr>
-          <a:xfrm>
-            <a:off x="3780085" y="5864561"/>
-            <a:ext cx="1318165" cy="416773"/>
-          </a:xfrm>
-          <a:prstGeom prst="rect">
-            <a:avLst/>
-          </a:prstGeom>
-        </p:spPr>
-      </p:pic>
-      <p:pic>
-        <p:nvPicPr>
-          <p:cNvPr id="28" name="Grafik 27"/>
-          <p:cNvPicPr>
-            <a:picLocks noChangeAspect="1"/>
-          </p:cNvPicPr>
-          <p:nvPr/>
-        </p:nvPicPr>
-        <p:blipFill>
-          <a:blip r:embed="rId5">
-            <a:extLst>
-              <a:ext uri="{28A0092B-C50C-407E-A947-70E740481C1C}">
-                <a14:useLocalDpi xmlns:a14="http://schemas.microsoft.com/office/drawing/2010/main" val="0"/>
-              </a:ext>
-            </a:extLst>
-          </a:blip>
-          <a:stretch>
-            <a:fillRect/>
-          </a:stretch>
-        </p:blipFill>
-        <p:spPr>
-          <a:xfrm>
-            <a:off x="3780085" y="6281334"/>
-            <a:ext cx="1318165" cy="208386"/>
-          </a:xfrm>
-          <a:prstGeom prst="rect">
-            <a:avLst/>
-          </a:prstGeom>
-        </p:spPr>
-      </p:pic>
-      <p:pic>
-        <p:nvPicPr>
-          <p:cNvPr id="31" name="Grafik 30"/>
-          <p:cNvPicPr>
-            <a:picLocks noChangeAspect="1"/>
-          </p:cNvPicPr>
-          <p:nvPr/>
-        </p:nvPicPr>
-        <p:blipFill>
-          <a:blip r:embed="rId6">
-            <a:extLst>
-              <a:ext uri="{28A0092B-C50C-407E-A947-70E740481C1C}">
-                <a14:useLocalDpi xmlns:a14="http://schemas.microsoft.com/office/drawing/2010/main" val="0"/>
-              </a:ext>
-            </a:extLst>
-          </a:blip>
-          <a:stretch>
-            <a:fillRect/>
-          </a:stretch>
-        </p:blipFill>
-        <p:spPr>
-          <a:xfrm>
-            <a:off x="3067223" y="6837962"/>
-            <a:ext cx="2031027" cy="183657"/>
-          </a:xfrm>
-          <a:prstGeom prst="rect">
-            <a:avLst/>
-          </a:prstGeom>
-        </p:spPr>
-      </p:pic>
       <p:pic>
         <p:nvPicPr>
           <p:cNvPr id="17" name="Grafik 16"/>
@@ -5107,7 +4994,7 @@
           <p:nvPr/>
         </p:nvPicPr>
         <p:blipFill>
-          <a:blip r:embed="rId7" cstate="print">
+          <a:blip r:embed="rId3" cstate="print">
             <a:extLst>
               <a:ext uri="{28A0092B-C50C-407E-A947-70E740481C1C}">
                 <a14:useLocalDpi xmlns:a14="http://schemas.microsoft.com/office/drawing/2010/main" val="0"/>
@@ -5224,7 +5111,7 @@
           <p:nvPr/>
         </p:nvPicPr>
         <p:blipFill>
-          <a:blip r:embed="rId8" cstate="print">
+          <a:blip r:embed="rId4" cstate="print">
             <a:extLst>
               <a:ext uri="{28A0092B-C50C-407E-A947-70E740481C1C}">
                 <a14:useLocalDpi xmlns:a14="http://schemas.microsoft.com/office/drawing/2010/main" val="0"/>
@@ -5254,7 +5141,7 @@
           <p:nvPr/>
         </p:nvPicPr>
         <p:blipFill>
-          <a:blip r:embed="rId9" cstate="print">
+          <a:blip r:embed="rId5" cstate="print">
             <a:extLst>
               <a:ext uri="{28A0092B-C50C-407E-A947-70E740481C1C}">
                 <a14:useLocalDpi xmlns:a14="http://schemas.microsoft.com/office/drawing/2010/main" val="0"/>
@@ -5319,7 +5206,7 @@
           <p:nvPr/>
         </p:nvPicPr>
         <p:blipFill>
-          <a:blip r:embed="rId10" cstate="print">
+          <a:blip r:embed="rId6" cstate="print">
             <a:extLst>
               <a:ext uri="{28A0092B-C50C-407E-A947-70E740481C1C}">
                 <a14:useLocalDpi xmlns:a14="http://schemas.microsoft.com/office/drawing/2010/main" val="0"/>
@@ -5491,14 +5378,14 @@
       </p:cxnSp>
       <p:cxnSp>
         <p:nvCxnSpPr>
-          <p:cNvPr id="37" name="Gerade Verbindung mit Pfeil 36"/>
+          <p:cNvPr id="38" name="Gerade Verbindung mit Pfeil 37"/>
           <p:cNvCxnSpPr/>
           <p:nvPr/>
         </p:nvCxnSpPr>
         <p:spPr>
-          <a:xfrm flipV="1">
-            <a:off x="4907939" y="7046349"/>
-            <a:ext cx="1701" cy="257604"/>
+          <a:xfrm flipH="1">
+            <a:off x="4027850" y="4434197"/>
+            <a:ext cx="386607" cy="86316"/>
           </a:xfrm>
           <a:prstGeom prst="straightConnector1">
             <a:avLst/>
@@ -5525,16 +5412,46 @@
           </a:fontRef>
         </p:style>
       </p:cxnSp>
+      <p:pic>
+        <p:nvPicPr>
+          <p:cNvPr id="25" name="Grafik 24">
+            <a:extLst>
+              <a:ext uri="{FF2B5EF4-FFF2-40B4-BE49-F238E27FC236}">
+                <a16:creationId xmlns:a16="http://schemas.microsoft.com/office/drawing/2014/main" id="{75976005-33C2-499D-9ACF-845E73ACBF1E}"/>
+              </a:ext>
+            </a:extLst>
+          </p:cNvPr>
+          <p:cNvPicPr>
+            <a:picLocks noChangeAspect="1"/>
+          </p:cNvPicPr>
+          <p:nvPr/>
+        </p:nvPicPr>
+        <p:blipFill>
+          <a:blip r:embed="rId7"/>
+          <a:stretch>
+            <a:fillRect/>
+          </a:stretch>
+        </p:blipFill>
+        <p:spPr>
+          <a:xfrm>
+            <a:off x="2976098" y="6825852"/>
+            <a:ext cx="2208549" cy="313341"/>
+          </a:xfrm>
+          <a:prstGeom prst="rect">
+            <a:avLst/>
+          </a:prstGeom>
+        </p:spPr>
+      </p:pic>
       <p:cxnSp>
         <p:nvCxnSpPr>
-          <p:cNvPr id="38" name="Gerade Verbindung mit Pfeil 37"/>
+          <p:cNvPr id="37" name="Gerade Verbindung mit Pfeil 36"/>
           <p:cNvCxnSpPr/>
           <p:nvPr/>
         </p:nvCxnSpPr>
         <p:spPr>
-          <a:xfrm flipH="1">
-            <a:off x="4027850" y="4434197"/>
-            <a:ext cx="386607" cy="86316"/>
+          <a:xfrm flipV="1">
+            <a:off x="4907939" y="7046349"/>
+            <a:ext cx="1701" cy="257604"/>
           </a:xfrm>
           <a:prstGeom prst="straightConnector1">
             <a:avLst/>
@@ -5561,6 +5478,129 @@
           </a:fontRef>
         </p:style>
       </p:cxnSp>
+      <p:pic>
+        <p:nvPicPr>
+          <p:cNvPr id="3" name="Grafik 2">
+            <a:extLst>
+              <a:ext uri="{FF2B5EF4-FFF2-40B4-BE49-F238E27FC236}">
+                <a16:creationId xmlns:a16="http://schemas.microsoft.com/office/drawing/2014/main" id="{DAC0E6A5-37B0-4728-80B9-1406174F0AD6}"/>
+              </a:ext>
+            </a:extLst>
+          </p:cNvPr>
+          <p:cNvPicPr>
+            <a:picLocks noChangeAspect="1"/>
+          </p:cNvPicPr>
+          <p:nvPr/>
+        </p:nvPicPr>
+        <p:blipFill>
+          <a:blip r:embed="rId8">
+            <a:extLst>
+              <a:ext uri="{28A0092B-C50C-407E-A947-70E740481C1C}">
+                <a14:useLocalDpi xmlns:a14="http://schemas.microsoft.com/office/drawing/2010/main" val="0"/>
+              </a:ext>
+            </a:extLst>
+          </a:blip>
+          <a:stretch>
+            <a:fillRect/>
+          </a:stretch>
+        </p:blipFill>
+        <p:spPr>
+          <a:xfrm>
+            <a:off x="3680655" y="6153602"/>
+            <a:ext cx="1329240" cy="290746"/>
+          </a:xfrm>
+          <a:prstGeom prst="rect">
+            <a:avLst/>
+          </a:prstGeom>
+          <a:ln>
+            <a:solidFill>
+              <a:schemeClr val="bg1">
+                <a:lumMod val="85000"/>
+              </a:schemeClr>
+            </a:solidFill>
+          </a:ln>
+        </p:spPr>
+      </p:pic>
+      <p:pic>
+        <p:nvPicPr>
+          <p:cNvPr id="5" name="Grafik 4">
+            <a:extLst>
+              <a:ext uri="{FF2B5EF4-FFF2-40B4-BE49-F238E27FC236}">
+                <a16:creationId xmlns:a16="http://schemas.microsoft.com/office/drawing/2014/main" id="{BFEEDFB1-D59C-4D1A-85B6-0B78C7BA04E5}"/>
+              </a:ext>
+            </a:extLst>
+          </p:cNvPr>
+          <p:cNvPicPr>
+            <a:picLocks noChangeAspect="1"/>
+          </p:cNvPicPr>
+          <p:nvPr/>
+        </p:nvPicPr>
+        <p:blipFill>
+          <a:blip r:embed="rId9">
+            <a:extLst>
+              <a:ext uri="{28A0092B-C50C-407E-A947-70E740481C1C}">
+                <a14:useLocalDpi xmlns:a14="http://schemas.microsoft.com/office/drawing/2010/main" val="0"/>
+              </a:ext>
+            </a:extLst>
+          </a:blip>
+          <a:stretch>
+            <a:fillRect/>
+          </a:stretch>
+        </p:blipFill>
+        <p:spPr>
+          <a:xfrm>
+            <a:off x="3680655" y="5840962"/>
+            <a:ext cx="1329240" cy="285971"/>
+          </a:xfrm>
+          <a:prstGeom prst="rect">
+            <a:avLst/>
+          </a:prstGeom>
+          <a:ln>
+            <a:solidFill>
+              <a:schemeClr val="bg1">
+                <a:lumMod val="85000"/>
+              </a:schemeClr>
+            </a:solidFill>
+          </a:ln>
+        </p:spPr>
+      </p:pic>
+      <p:pic>
+        <p:nvPicPr>
+          <p:cNvPr id="6" name="Grafik 5">
+            <a:extLst>
+              <a:ext uri="{FF2B5EF4-FFF2-40B4-BE49-F238E27FC236}">
+                <a16:creationId xmlns:a16="http://schemas.microsoft.com/office/drawing/2014/main" id="{CE8FFB56-5070-42F9-A3F7-6F88A647888D}"/>
+              </a:ext>
+            </a:extLst>
+          </p:cNvPr>
+          <p:cNvPicPr>
+            <a:picLocks noChangeAspect="1"/>
+          </p:cNvPicPr>
+          <p:nvPr/>
+        </p:nvPicPr>
+        <p:blipFill>
+          <a:blip r:embed="rId10"/>
+          <a:stretch>
+            <a:fillRect/>
+          </a:stretch>
+        </p:blipFill>
+        <p:spPr>
+          <a:xfrm>
+            <a:off x="3680655" y="6472813"/>
+            <a:ext cx="1329239" cy="290746"/>
+          </a:xfrm>
+          <a:prstGeom prst="rect">
+            <a:avLst/>
+          </a:prstGeom>
+          <a:ln>
+            <a:solidFill>
+              <a:schemeClr val="bg1">
+                <a:lumMod val="85000"/>
+              </a:schemeClr>
+            </a:solidFill>
+          </a:ln>
+        </p:spPr>
+      </p:pic>
     </p:spTree>
     <p:extLst>
       <p:ext uri="{BB962C8B-B14F-4D97-AF65-F5344CB8AC3E}">
